--- a/my CV/main cv/asad_cv.pptx
+++ b/my CV/main cv/asad_cv.pptx
@@ -197,7 +197,7 @@
           <a:p>
             <a:fld id="{3D6A826E-06BF-4247-8C5F-4B5EFF078D52}" type="datetimeFigureOut">
               <a:rPr lang="en-US" smtClean="0"/>
-              <a:t>14-Apr-19</a:t>
+              <a:t>13-Jun-19</a:t>
             </a:fld>
             <a:endParaRPr lang="en-US" dirty="0"/>
           </a:p>
@@ -686,7 +686,7 @@
           <a:p>
             <a:fld id="{970B34A7-3EF8-4DB9-B928-BFC7C5108EB8}" type="datetimeFigureOut">
               <a:rPr lang="en-US" smtClean="0"/>
-              <a:t>14-Apr-19</a:t>
+              <a:t>13-Jun-19</a:t>
             </a:fld>
             <a:endParaRPr lang="en-US" dirty="0"/>
           </a:p>
@@ -856,7 +856,7 @@
           <a:p>
             <a:fld id="{970B34A7-3EF8-4DB9-B928-BFC7C5108EB8}" type="datetimeFigureOut">
               <a:rPr lang="en-US" smtClean="0"/>
-              <a:t>14-Apr-19</a:t>
+              <a:t>13-Jun-19</a:t>
             </a:fld>
             <a:endParaRPr lang="en-US" dirty="0"/>
           </a:p>
@@ -1036,7 +1036,7 @@
           <a:p>
             <a:fld id="{970B34A7-3EF8-4DB9-B928-BFC7C5108EB8}" type="datetimeFigureOut">
               <a:rPr lang="en-US" smtClean="0"/>
-              <a:t>14-Apr-19</a:t>
+              <a:t>13-Jun-19</a:t>
             </a:fld>
             <a:endParaRPr lang="en-US" dirty="0"/>
           </a:p>
@@ -1206,7 +1206,7 @@
           <a:p>
             <a:fld id="{970B34A7-3EF8-4DB9-B928-BFC7C5108EB8}" type="datetimeFigureOut">
               <a:rPr lang="en-US" smtClean="0"/>
-              <a:t>14-Apr-19</a:t>
+              <a:t>13-Jun-19</a:t>
             </a:fld>
             <a:endParaRPr lang="en-US" dirty="0"/>
           </a:p>
@@ -1452,7 +1452,7 @@
           <a:p>
             <a:fld id="{970B34A7-3EF8-4DB9-B928-BFC7C5108EB8}" type="datetimeFigureOut">
               <a:rPr lang="en-US" smtClean="0"/>
-              <a:t>14-Apr-19</a:t>
+              <a:t>13-Jun-19</a:t>
             </a:fld>
             <a:endParaRPr lang="en-US" dirty="0"/>
           </a:p>
@@ -1684,7 +1684,7 @@
           <a:p>
             <a:fld id="{970B34A7-3EF8-4DB9-B928-BFC7C5108EB8}" type="datetimeFigureOut">
               <a:rPr lang="en-US" smtClean="0"/>
-              <a:t>14-Apr-19</a:t>
+              <a:t>13-Jun-19</a:t>
             </a:fld>
             <a:endParaRPr lang="en-US" dirty="0"/>
           </a:p>
@@ -2051,7 +2051,7 @@
           <a:p>
             <a:fld id="{970B34A7-3EF8-4DB9-B928-BFC7C5108EB8}" type="datetimeFigureOut">
               <a:rPr lang="en-US" smtClean="0"/>
-              <a:t>14-Apr-19</a:t>
+              <a:t>13-Jun-19</a:t>
             </a:fld>
             <a:endParaRPr lang="en-US" dirty="0"/>
           </a:p>
@@ -2169,7 +2169,7 @@
           <a:p>
             <a:fld id="{970B34A7-3EF8-4DB9-B928-BFC7C5108EB8}" type="datetimeFigureOut">
               <a:rPr lang="en-US" smtClean="0"/>
-              <a:t>14-Apr-19</a:t>
+              <a:t>13-Jun-19</a:t>
             </a:fld>
             <a:endParaRPr lang="en-US" dirty="0"/>
           </a:p>
@@ -2264,7 +2264,7 @@
           <a:p>
             <a:fld id="{970B34A7-3EF8-4DB9-B928-BFC7C5108EB8}" type="datetimeFigureOut">
               <a:rPr lang="en-US" smtClean="0"/>
-              <a:t>14-Apr-19</a:t>
+              <a:t>13-Jun-19</a:t>
             </a:fld>
             <a:endParaRPr lang="en-US" dirty="0"/>
           </a:p>
@@ -2541,7 +2541,7 @@
           <a:p>
             <a:fld id="{970B34A7-3EF8-4DB9-B928-BFC7C5108EB8}" type="datetimeFigureOut">
               <a:rPr lang="en-US" smtClean="0"/>
-              <a:t>14-Apr-19</a:t>
+              <a:t>13-Jun-19</a:t>
             </a:fld>
             <a:endParaRPr lang="en-US" dirty="0"/>
           </a:p>
@@ -2794,7 +2794,7 @@
           <a:p>
             <a:fld id="{970B34A7-3EF8-4DB9-B928-BFC7C5108EB8}" type="datetimeFigureOut">
               <a:rPr lang="en-US" smtClean="0"/>
-              <a:t>14-Apr-19</a:t>
+              <a:t>13-Jun-19</a:t>
             </a:fld>
             <a:endParaRPr lang="en-US" dirty="0"/>
           </a:p>
@@ -3007,7 +3007,7 @@
           <a:p>
             <a:fld id="{970B34A7-3EF8-4DB9-B928-BFC7C5108EB8}" type="datetimeFigureOut">
               <a:rPr lang="en-US" smtClean="0"/>
-              <a:t>14-Apr-19</a:t>
+              <a:t>13-Jun-19</a:t>
             </a:fld>
             <a:endParaRPr lang="en-US" dirty="0"/>
           </a:p>
@@ -3456,41 +3456,6 @@
           </a:p>
         </p:txBody>
       </p:sp>
-      <p:pic>
-        <p:nvPicPr>
-          <p:cNvPr id="3" name="Picture 2"/>
-          <p:cNvPicPr>
-            <a:picLocks noChangeAspect="1"/>
-          </p:cNvPicPr>
-          <p:nvPr/>
-        </p:nvPicPr>
-        <p:blipFill>
-          <a:blip r:embed="rId3" cstate="print">
-            <a:extLst>
-              <a:ext uri="{28A0092B-C50C-407E-A947-70E740481C1C}">
-                <a14:useLocalDpi xmlns:a14="http://schemas.microsoft.com/office/drawing/2010/main" val="0"/>
-              </a:ext>
-            </a:extLst>
-          </a:blip>
-          <a:stretch>
-            <a:fillRect/>
-          </a:stretch>
-        </p:blipFill>
-        <p:spPr>
-          <a:xfrm>
-            <a:off x="704103" y="287148"/>
-            <a:ext cx="903768" cy="883385"/>
-          </a:xfrm>
-          <a:prstGeom prst="ellipse">
-            <a:avLst/>
-          </a:prstGeom>
-          <a:ln w="57150">
-            <a:solidFill>
-              <a:schemeClr val="bg1"/>
-            </a:solidFill>
-          </a:ln>
-        </p:spPr>
-      </p:pic>
       <p:sp>
         <p:nvSpPr>
           <p:cNvPr id="7" name="Rectangle 6"/>
@@ -3499,8 +3464,8 @@
         </p:nvSpPr>
         <p:spPr>
           <a:xfrm>
-            <a:off x="1629444" y="289095"/>
-            <a:ext cx="2892056" cy="369332"/>
+            <a:off x="1724444" y="289095"/>
+            <a:ext cx="2716925" cy="369332"/>
           </a:xfrm>
           <a:prstGeom prst="rect">
             <a:avLst/>
@@ -3518,7 +3483,7 @@
                 <a:ln w="0"/>
                 <a:cs typeface="Times New Roman" panose="02020603050405020304" pitchFamily="18" charset="0"/>
               </a:rPr>
-              <a:t>MD. ASADUZZAMAN</a:t>
+              <a:t>MD. ASADUZZAMAN JABIN</a:t>
             </a:r>
             <a:endParaRPr lang="en-US" b="0" cap="none" spc="0" dirty="0">
               <a:ln w="0"/>
@@ -3566,7 +3531,7 @@
         </p:nvSpPr>
         <p:spPr>
           <a:xfrm>
-            <a:off x="591617" y="1856412"/>
+            <a:off x="603492" y="1844537"/>
             <a:ext cx="915519" cy="261610"/>
           </a:xfrm>
           <a:prstGeom prst="rect">
@@ -3697,7 +3662,7 @@
               <a:rPr lang="en-US" sz="1000" b="1" dirty="0" smtClean="0">
                 <a:cs typeface="Times New Roman" panose="02020603050405020304" pitchFamily="18" charset="0"/>
               </a:rPr>
-              <a:t>BSc Engineering in ICT</a:t>
+              <a:t>BSc Engineering in ICT (above 3.50/4.00)</a:t>
             </a:r>
             <a:endParaRPr lang="en-US" sz="1000" dirty="0" smtClean="0">
               <a:cs typeface="Times New Roman" panose="02020603050405020304" pitchFamily="18" charset="0"/>
@@ -3752,7 +3717,7 @@
               <a:rPr lang="en-US" sz="1000" b="1" dirty="0" smtClean="0">
                 <a:cs typeface="Times New Roman" panose="02020603050405020304" pitchFamily="18" charset="0"/>
               </a:rPr>
-              <a:t>Science</a:t>
+              <a:t>Science, 2013 (5.00/5.00)</a:t>
             </a:r>
           </a:p>
           <a:p>
@@ -3804,7 +3769,7 @@
               <a:rPr lang="en-US" sz="1000" b="1" dirty="0" smtClean="0">
                 <a:cs typeface="Times New Roman" panose="02020603050405020304" pitchFamily="18" charset="0"/>
               </a:rPr>
-              <a:t>Science</a:t>
+              <a:t>Science, 2011 (5.00/5.00)</a:t>
             </a:r>
           </a:p>
           <a:p>
@@ -3829,17 +3794,8 @@
               <a:rPr lang="en-US" sz="900" dirty="0" smtClean="0">
                 <a:cs typeface="Times New Roman" panose="02020603050405020304" pitchFamily="18" charset="0"/>
               </a:rPr>
-              <a:t>Shaheed Ramiz Uddin Cantonment School, </a:t>
-            </a:r>
-            <a:r>
-              <a:rPr lang="en-US" sz="900" dirty="0" smtClean="0">
-                <a:cs typeface="Times New Roman" panose="02020603050405020304" pitchFamily="18" charset="0"/>
-              </a:rPr>
-              <a:t>Dhaka</a:t>
-            </a:r>
-            <a:endParaRPr lang="en-US" sz="900" dirty="0" smtClean="0">
-              <a:cs typeface="Times New Roman" panose="02020603050405020304" pitchFamily="18" charset="0"/>
-            </a:endParaRPr>
+              <a:t>Shaheed Ramiz Uddin Cantonment School, Dhaka</a:t>
+            </a:r>
           </a:p>
         </p:txBody>
       </p:sp>
@@ -3876,17 +3832,8 @@
               <a:rPr lang="en-US" sz="1000" dirty="0" smtClean="0">
                 <a:cs typeface="Times New Roman" panose="02020603050405020304" pitchFamily="18" charset="0"/>
               </a:rPr>
-              <a:t>ACM Programming, Algorithm, Data Structure, C++,Java , MYSQL, Oracle DBMS, Assembly  Language, MATLAB, Mathematics, Networking ,AI, Embedded Programming</a:t>
-            </a:r>
-            <a:r>
-              <a:rPr lang="en-US" sz="1000" dirty="0" smtClean="0">
-                <a:cs typeface="Times New Roman" panose="02020603050405020304" pitchFamily="18" charset="0"/>
-              </a:rPr>
-              <a:t>.</a:t>
-            </a:r>
-            <a:endParaRPr lang="en-US" sz="1000" dirty="0" smtClean="0">
-              <a:cs typeface="Times New Roman" panose="02020603050405020304" pitchFamily="18" charset="0"/>
-            </a:endParaRPr>
+              <a:t>ACM Programming, Algorithm, Data Structure, C++,Java , MYSQL, Oracle DBMS, Assembly  Language, MATLAB, Mathematics, Networking ,AI, Embedded Programming.</a:t>
+            </a:r>
           </a:p>
           <a:p>
             <a:pPr marL="285750" indent="-285750" algn="just">
@@ -3900,45 +3847,144 @@
               <a:rPr lang="en-US" sz="1000" dirty="0">
                 <a:cs typeface="Times New Roman" panose="02020603050405020304" pitchFamily="18" charset="0"/>
               </a:rPr>
-              <a:t>ACM Problem Solving more than 1500 problems in different Online </a:t>
+              <a:t>ACM Problem Solving more than 1500 problems in different Online Judge. Profile Link: (</a:t>
+            </a:r>
+            <a:r>
+              <a:rPr lang="en-US" sz="1000" dirty="0" err="1">
+                <a:cs typeface="Times New Roman" panose="02020603050405020304" pitchFamily="18" charset="0"/>
+                <a:hlinkClick r:id="rId3"/>
+              </a:rPr>
+              <a:t>Stopstalk</a:t>
             </a:r>
             <a:r>
               <a:rPr lang="en-US" sz="1000" dirty="0">
                 <a:cs typeface="Times New Roman" panose="02020603050405020304" pitchFamily="18" charset="0"/>
               </a:rPr>
-              <a:t>Judge. Profile Link: (</a:t>
+              <a:t>, </a:t>
             </a:r>
             <a:r>
               <a:rPr lang="en-US" sz="1000" dirty="0" err="1">
                 <a:cs typeface="Times New Roman" panose="02020603050405020304" pitchFamily="18" charset="0"/>
                 <a:hlinkClick r:id="rId4"/>
               </a:rPr>
-              <a:t>Stopstalk</a:t>
+              <a:t>Uva</a:t>
             </a:r>
             <a:r>
               <a:rPr lang="en-US" sz="1000" dirty="0">
                 <a:cs typeface="Times New Roman" panose="02020603050405020304" pitchFamily="18" charset="0"/>
+                <a:hlinkClick r:id="rId4"/>
+              </a:rPr>
+              <a:t> </a:t>
+            </a:r>
+            <a:r>
+              <a:rPr lang="en-US" sz="1000" dirty="0" err="1">
+                <a:cs typeface="Times New Roman" panose="02020603050405020304" pitchFamily="18" charset="0"/>
+                <a:hlinkClick r:id="rId4"/>
+              </a:rPr>
+              <a:t>oj</a:t>
+            </a:r>
+            <a:r>
+              <a:rPr lang="en-US" sz="1000" dirty="0">
+                <a:cs typeface="Times New Roman" panose="02020603050405020304" pitchFamily="18" charset="0"/>
               </a:rPr>
               <a:t>, </a:t>
             </a:r>
             <a:r>
+              <a:rPr lang="en-US" sz="1000" dirty="0">
+                <a:cs typeface="Times New Roman" panose="02020603050405020304" pitchFamily="18" charset="0"/>
+                <a:hlinkClick r:id="rId5"/>
+              </a:rPr>
+              <a:t>URI </a:t>
+            </a:r>
+            <a:r>
               <a:rPr lang="en-US" sz="1000" dirty="0" err="1">
                 <a:cs typeface="Times New Roman" panose="02020603050405020304" pitchFamily="18" charset="0"/>
                 <a:hlinkClick r:id="rId5"/>
               </a:rPr>
-              <a:t>Uva</a:t>
+              <a:t>oj</a:t>
             </a:r>
             <a:r>
               <a:rPr lang="en-US" sz="1000" dirty="0">
                 <a:cs typeface="Times New Roman" panose="02020603050405020304" pitchFamily="18" charset="0"/>
-                <a:hlinkClick r:id="rId5"/>
-              </a:rPr>
-              <a:t> </a:t>
+              </a:rPr>
+              <a:t>, </a:t>
             </a:r>
             <a:r>
               <a:rPr lang="en-US" sz="1000" dirty="0" err="1">
                 <a:cs typeface="Times New Roman" panose="02020603050405020304" pitchFamily="18" charset="0"/>
-                <a:hlinkClick r:id="rId5"/>
+                <a:hlinkClick r:id="rId6"/>
+              </a:rPr>
+              <a:t>Codeforces</a:t>
+            </a:r>
+            <a:r>
+              <a:rPr lang="en-US" sz="1000" dirty="0">
+                <a:cs typeface="Times New Roman" panose="02020603050405020304" pitchFamily="18" charset="0"/>
+              </a:rPr>
+              <a:t>, </a:t>
+            </a:r>
+            <a:r>
+              <a:rPr lang="en-US" sz="1000" dirty="0" err="1">
+                <a:cs typeface="Times New Roman" panose="02020603050405020304" pitchFamily="18" charset="0"/>
+                <a:hlinkClick r:id="rId7"/>
+              </a:rPr>
+              <a:t>Hackerrank</a:t>
+            </a:r>
+            <a:r>
+              <a:rPr lang="en-US" sz="1000" dirty="0">
+                <a:cs typeface="Times New Roman" panose="02020603050405020304" pitchFamily="18" charset="0"/>
+              </a:rPr>
+              <a:t>, </a:t>
+            </a:r>
+            <a:r>
+              <a:rPr lang="en-US" sz="1000" dirty="0" err="1">
+                <a:cs typeface="Times New Roman" panose="02020603050405020304" pitchFamily="18" charset="0"/>
+                <a:hlinkClick r:id="rId8"/>
+              </a:rPr>
+              <a:t>Hackerearth</a:t>
+            </a:r>
+            <a:r>
+              <a:rPr lang="en-US" sz="1000" dirty="0">
+                <a:cs typeface="Times New Roman" panose="02020603050405020304" pitchFamily="18" charset="0"/>
+              </a:rPr>
+              <a:t>, </a:t>
+            </a:r>
+            <a:r>
+              <a:rPr lang="en-US" sz="1000" dirty="0" err="1">
+                <a:cs typeface="Times New Roman" panose="02020603050405020304" pitchFamily="18" charset="0"/>
+                <a:hlinkClick r:id="rId9"/>
+              </a:rPr>
+              <a:t>Codechef</a:t>
+            </a:r>
+            <a:r>
+              <a:rPr lang="en-US" sz="1000" dirty="0">
+                <a:cs typeface="Times New Roman" panose="02020603050405020304" pitchFamily="18" charset="0"/>
+              </a:rPr>
+              <a:t>, </a:t>
+            </a:r>
+            <a:r>
+              <a:rPr lang="en-US" sz="1000" dirty="0" err="1">
+                <a:cs typeface="Times New Roman" panose="02020603050405020304" pitchFamily="18" charset="0"/>
+                <a:hlinkClick r:id="rId10"/>
+              </a:rPr>
+              <a:t>CSacademy</a:t>
+            </a:r>
+            <a:r>
+              <a:rPr lang="en-US" sz="1000" dirty="0">
+                <a:cs typeface="Times New Roman" panose="02020603050405020304" pitchFamily="18" charset="0"/>
+              </a:rPr>
+              <a:t>, </a:t>
+            </a:r>
+            <a:r>
+              <a:rPr lang="en-US" sz="1000" dirty="0">
+                <a:cs typeface="Times New Roman" panose="02020603050405020304" pitchFamily="18" charset="0"/>
+                <a:hlinkClick r:id="rId11"/>
+              </a:rPr>
+              <a:t>Light </a:t>
+            </a:r>
+            <a:r>
+              <a:rPr lang="en-US" sz="1000" dirty="0" err="1">
+                <a:cs typeface="Times New Roman" panose="02020603050405020304" pitchFamily="18" charset="0"/>
+                <a:hlinkClick r:id="rId11"/>
               </a:rPr>
               <a:t>oj</a:t>
             </a:r>
@@ -3949,18 +3995,24 @@
               <a:t>, </a:t>
             </a:r>
             <a:r>
+              <a:rPr lang="en-US" sz="1000" dirty="0" err="1">
+                <a:cs typeface="Times New Roman" panose="02020603050405020304" pitchFamily="18" charset="0"/>
+                <a:hlinkClick r:id="rId12"/>
+              </a:rPr>
+              <a:t>Spoj</a:t>
+            </a:r>
+            <a:r>
               <a:rPr lang="en-US" sz="1000" dirty="0">
                 <a:cs typeface="Times New Roman" panose="02020603050405020304" pitchFamily="18" charset="0"/>
-                <a:hlinkClick r:id="rId6"/>
-              </a:rPr>
-              <a:t>URI </a:t>
+              </a:rPr>
+              <a:t>, </a:t>
             </a:r>
             <a:r>
               <a:rPr lang="en-US" sz="1000" dirty="0" err="1">
                 <a:cs typeface="Times New Roman" panose="02020603050405020304" pitchFamily="18" charset="0"/>
-                <a:hlinkClick r:id="rId6"/>
-              </a:rPr>
-              <a:t>oj</a:t>
+                <a:hlinkClick r:id="rId13"/>
+              </a:rPr>
+              <a:t>Vjudge</a:t>
             </a:r>
             <a:r>
               <a:rPr lang="en-US" sz="1000" dirty="0">
@@ -3971,9 +4023,9 @@
             <a:r>
               <a:rPr lang="en-US" sz="1000" dirty="0" err="1">
                 <a:cs typeface="Times New Roman" panose="02020603050405020304" pitchFamily="18" charset="0"/>
-                <a:hlinkClick r:id="rId7"/>
-              </a:rPr>
-              <a:t>Codeforces</a:t>
+                <a:hlinkClick r:id="rId14"/>
+              </a:rPr>
+              <a:t>Atcoder</a:t>
             </a:r>
             <a:r>
               <a:rPr lang="en-US" sz="1000" dirty="0">
@@ -3984,9 +4036,9 @@
             <a:r>
               <a:rPr lang="en-US" sz="1000" dirty="0" err="1">
                 <a:cs typeface="Times New Roman" panose="02020603050405020304" pitchFamily="18" charset="0"/>
-                <a:hlinkClick r:id="rId8"/>
-              </a:rPr>
-              <a:t>Hackerrank</a:t>
+                <a:hlinkClick r:id="rId15"/>
+              </a:rPr>
+              <a:t>Devskill</a:t>
             </a:r>
             <a:r>
               <a:rPr lang="en-US" sz="1000" dirty="0">
@@ -3997,125 +4049,14 @@
             <a:r>
               <a:rPr lang="en-US" sz="1000" dirty="0" err="1">
                 <a:cs typeface="Times New Roman" panose="02020603050405020304" pitchFamily="18" charset="0"/>
-                <a:hlinkClick r:id="rId9"/>
-              </a:rPr>
-              <a:t>Hackerearth</a:t>
+                <a:hlinkClick r:id="rId16"/>
+              </a:rPr>
+              <a:t>kattis</a:t>
             </a:r>
             <a:r>
               <a:rPr lang="en-US" sz="1000" dirty="0">
                 <a:cs typeface="Times New Roman" panose="02020603050405020304" pitchFamily="18" charset="0"/>
-              </a:rPr>
-              <a:t>, </a:t>
-            </a:r>
-            <a:r>
-              <a:rPr lang="en-US" sz="1000" dirty="0" err="1">
-                <a:cs typeface="Times New Roman" panose="02020603050405020304" pitchFamily="18" charset="0"/>
-                <a:hlinkClick r:id="rId10"/>
-              </a:rPr>
-              <a:t>Codechef</a:t>
-            </a:r>
-            <a:r>
-              <a:rPr lang="en-US" sz="1000" dirty="0">
-                <a:cs typeface="Times New Roman" panose="02020603050405020304" pitchFamily="18" charset="0"/>
-              </a:rPr>
-              <a:t>, </a:t>
-            </a:r>
-            <a:r>
-              <a:rPr lang="en-US" sz="1000" dirty="0" err="1">
-                <a:cs typeface="Times New Roman" panose="02020603050405020304" pitchFamily="18" charset="0"/>
-                <a:hlinkClick r:id="rId11"/>
-              </a:rPr>
-              <a:t>CSacademy</a:t>
-            </a:r>
-            <a:r>
-              <a:rPr lang="en-US" sz="1000" dirty="0">
-                <a:cs typeface="Times New Roman" panose="02020603050405020304" pitchFamily="18" charset="0"/>
-              </a:rPr>
-              <a:t>, </a:t>
-            </a:r>
-            <a:r>
-              <a:rPr lang="en-US" sz="1000" dirty="0">
-                <a:cs typeface="Times New Roman" panose="02020603050405020304" pitchFamily="18" charset="0"/>
-                <a:hlinkClick r:id="rId12"/>
-              </a:rPr>
-              <a:t>Light </a:t>
-            </a:r>
-            <a:r>
-              <a:rPr lang="en-US" sz="1000" dirty="0" err="1">
-                <a:cs typeface="Times New Roman" panose="02020603050405020304" pitchFamily="18" charset="0"/>
-                <a:hlinkClick r:id="rId12"/>
-              </a:rPr>
-              <a:t>oj</a:t>
-            </a:r>
-            <a:r>
-              <a:rPr lang="en-US" sz="1000" dirty="0">
-                <a:cs typeface="Times New Roman" panose="02020603050405020304" pitchFamily="18" charset="0"/>
-              </a:rPr>
-              <a:t>, </a:t>
-            </a:r>
-            <a:r>
-              <a:rPr lang="en-US" sz="1000" dirty="0" err="1">
-                <a:cs typeface="Times New Roman" panose="02020603050405020304" pitchFamily="18" charset="0"/>
-                <a:hlinkClick r:id="rId13"/>
-              </a:rPr>
-              <a:t>Spoj</a:t>
-            </a:r>
-            <a:r>
-              <a:rPr lang="en-US" sz="1000" dirty="0">
-                <a:cs typeface="Times New Roman" panose="02020603050405020304" pitchFamily="18" charset="0"/>
-              </a:rPr>
-              <a:t>, </a:t>
-            </a:r>
-            <a:r>
-              <a:rPr lang="en-US" sz="1000" dirty="0" err="1">
-                <a:cs typeface="Times New Roman" panose="02020603050405020304" pitchFamily="18" charset="0"/>
-                <a:hlinkClick r:id="rId14"/>
-              </a:rPr>
-              <a:t>Vjudge</a:t>
-            </a:r>
-            <a:r>
-              <a:rPr lang="en-US" sz="1000" dirty="0">
-                <a:cs typeface="Times New Roman" panose="02020603050405020304" pitchFamily="18" charset="0"/>
-              </a:rPr>
-              <a:t>, </a:t>
-            </a:r>
-            <a:r>
-              <a:rPr lang="en-US" sz="1000" dirty="0" err="1">
-                <a:cs typeface="Times New Roman" panose="02020603050405020304" pitchFamily="18" charset="0"/>
-                <a:hlinkClick r:id="rId15"/>
-              </a:rPr>
-              <a:t>Atcoder</a:t>
-            </a:r>
-            <a:r>
-              <a:rPr lang="en-US" sz="1000" dirty="0">
-                <a:cs typeface="Times New Roman" panose="02020603050405020304" pitchFamily="18" charset="0"/>
-              </a:rPr>
-              <a:t>, </a:t>
-            </a:r>
-            <a:r>
-              <a:rPr lang="en-US" sz="1000" dirty="0" err="1">
-                <a:cs typeface="Times New Roman" panose="02020603050405020304" pitchFamily="18" charset="0"/>
                 <a:hlinkClick r:id="rId16"/>
-              </a:rPr>
-              <a:t>Devskill</a:t>
-            </a:r>
-            <a:r>
-              <a:rPr lang="en-US" sz="1000" dirty="0">
-                <a:cs typeface="Times New Roman" panose="02020603050405020304" pitchFamily="18" charset="0"/>
-              </a:rPr>
-              <a:t>, </a:t>
-            </a:r>
-            <a:r>
-              <a:rPr lang="en-US" sz="1000" dirty="0" err="1">
-                <a:cs typeface="Times New Roman" panose="02020603050405020304" pitchFamily="18" charset="0"/>
-                <a:hlinkClick r:id="rId17"/>
-              </a:rPr>
-              <a:t>kattis</a:t>
-            </a:r>
-            <a:r>
-              <a:rPr lang="en-US" sz="1000" dirty="0">
-                <a:cs typeface="Times New Roman" panose="02020603050405020304" pitchFamily="18" charset="0"/>
-                <a:hlinkClick r:id="rId17"/>
               </a:rPr>
               <a:t> </a:t>
             </a:r>
@@ -4164,9 +4105,22 @@
             <a:r>
               <a:rPr lang="en-US" sz="1000" dirty="0">
                 <a:cs typeface="Times New Roman" panose="02020603050405020304" pitchFamily="18" charset="0"/>
+                <a:hlinkClick r:id="rId17"/>
+              </a:rPr>
+              <a:t>problem1</a:t>
+            </a:r>
+            <a:r>
+              <a:rPr lang="en-US" sz="1000" dirty="0">
+                <a:cs typeface="Times New Roman" panose="02020603050405020304" pitchFamily="18" charset="0"/>
+              </a:rPr>
+              <a:t>, </a:t>
+            </a:r>
+            <a:r>
+              <a:rPr lang="en-US" sz="1000" dirty="0">
+                <a:cs typeface="Times New Roman" panose="02020603050405020304" pitchFamily="18" charset="0"/>
                 <a:hlinkClick r:id="rId18"/>
               </a:rPr>
-              <a:t>problem1</a:t>
+              <a:t>problem2</a:t>
             </a:r>
             <a:r>
               <a:rPr lang="en-US" sz="1000" dirty="0">
@@ -4179,7 +4133,7 @@
                 <a:cs typeface="Times New Roman" panose="02020603050405020304" pitchFamily="18" charset="0"/>
                 <a:hlinkClick r:id="rId19"/>
               </a:rPr>
-              <a:t>problem2</a:t>
+              <a:t>problem3</a:t>
             </a:r>
             <a:r>
               <a:rPr lang="en-US" sz="1000" dirty="0">
@@ -4191,19 +4145,6 @@
               <a:rPr lang="en-US" sz="1000" dirty="0">
                 <a:cs typeface="Times New Roman" panose="02020603050405020304" pitchFamily="18" charset="0"/>
                 <a:hlinkClick r:id="rId20"/>
-              </a:rPr>
-              <a:t>problem3</a:t>
-            </a:r>
-            <a:r>
-              <a:rPr lang="en-US" sz="1000" dirty="0">
-                <a:cs typeface="Times New Roman" panose="02020603050405020304" pitchFamily="18" charset="0"/>
-              </a:rPr>
-              <a:t>, </a:t>
-            </a:r>
-            <a:r>
-              <a:rPr lang="en-US" sz="1000" dirty="0">
-                <a:cs typeface="Times New Roman" panose="02020603050405020304" pitchFamily="18" charset="0"/>
-                <a:hlinkClick r:id="rId21"/>
               </a:rPr>
               <a:t>problem4</a:t>
             </a:r>
@@ -4252,9 +4193,6 @@
               </a:rPr>
               <a:t>), Security, Design pattern -(Factory method), Project management: (JIRA , Agile) and Testing methodologies. </a:t>
             </a:r>
-            <a:endParaRPr lang="en-US" sz="1000" b="1" dirty="0" smtClean="0">
-              <a:cs typeface="Times New Roman" panose="02020603050405020304" pitchFamily="18" charset="0"/>
-            </a:endParaRPr>
           </a:p>
         </p:txBody>
       </p:sp>
@@ -4357,9 +4295,41 @@
             <a:r>
               <a:rPr lang="en-US" sz="1000" dirty="0" smtClean="0">
                 <a:cs typeface="Times New Roman" panose="02020603050405020304" pitchFamily="18" charset="0"/>
+                <a:hlinkClick r:id="rId21"/>
+              </a:rPr>
+              <a:t>8</a:t>
+            </a:r>
+            <a:r>
+              <a:rPr lang="en-US" sz="1000" baseline="30000" dirty="0" smtClean="0">
+                <a:cs typeface="Times New Roman" panose="02020603050405020304" pitchFamily="18" charset="0"/>
+                <a:hlinkClick r:id="rId21"/>
+              </a:rPr>
+              <a:t>th</a:t>
+            </a:r>
+            <a:r>
+              <a:rPr lang="en-US" sz="1000" dirty="0" smtClean="0">
+                <a:cs typeface="Times New Roman" panose="02020603050405020304" pitchFamily="18" charset="0"/>
+              </a:rPr>
+              <a:t>) NDUB CSE FEST IUPC–2017 (6</a:t>
+            </a:r>
+            <a:r>
+              <a:rPr lang="en-US" sz="1000" baseline="30000" dirty="0" smtClean="0">
+                <a:cs typeface="Times New Roman" panose="02020603050405020304" pitchFamily="18" charset="0"/>
+              </a:rPr>
+              <a:t>th</a:t>
+            </a:r>
+            <a:r>
+              <a:rPr lang="en-US" sz="1000" dirty="0" smtClean="0">
+                <a:cs typeface="Times New Roman" panose="02020603050405020304" pitchFamily="18" charset="0"/>
+              </a:rPr>
+              <a:t>), SUB IUPC-2017 (</a:t>
+            </a:r>
+            <a:r>
+              <a:rPr lang="en-US" sz="1000" dirty="0" smtClean="0">
+                <a:cs typeface="Times New Roman" panose="02020603050405020304" pitchFamily="18" charset="0"/>
                 <a:hlinkClick r:id="rId22"/>
               </a:rPr>
-              <a:t>8</a:t>
+              <a:t>52</a:t>
             </a:r>
             <a:r>
               <a:rPr lang="en-US" sz="1000" baseline="30000" dirty="0" smtClean="0">
@@ -4372,17 +4342,19 @@
               <a:rPr lang="en-US" sz="1000" dirty="0" smtClean="0">
                 <a:cs typeface="Times New Roman" panose="02020603050405020304" pitchFamily="18" charset="0"/>
               </a:rPr>
-              <a:t>) NDUB </a:t>
+              <a:t>), SUST IUPC-2017 (</a:t>
             </a:r>
             <a:r>
               <a:rPr lang="en-US" sz="1000" dirty="0" smtClean="0">
                 <a:cs typeface="Times New Roman" panose="02020603050405020304" pitchFamily="18" charset="0"/>
-              </a:rPr>
-              <a:t>CSE FEST IUPC–2017 (6</a:t>
+                <a:hlinkClick r:id="rId23"/>
+              </a:rPr>
+              <a:t>81</a:t>
             </a:r>
             <a:r>
               <a:rPr lang="en-US" sz="1000" baseline="30000" dirty="0" smtClean="0">
                 <a:cs typeface="Times New Roman" panose="02020603050405020304" pitchFamily="18" charset="0"/>
+                <a:hlinkClick r:id="rId23"/>
               </a:rPr>
               <a:t>th</a:t>
             </a:r>
@@ -4390,19 +4362,19 @@
               <a:rPr lang="en-US" sz="1000" dirty="0" smtClean="0">
                 <a:cs typeface="Times New Roman" panose="02020603050405020304" pitchFamily="18" charset="0"/>
               </a:rPr>
-              <a:t>), SUB IUPC-2017 (</a:t>
+              <a:t>), IUT FEST-2016 (</a:t>
             </a:r>
             <a:r>
               <a:rPr lang="en-US" sz="1000" dirty="0" smtClean="0">
                 <a:cs typeface="Times New Roman" panose="02020603050405020304" pitchFamily="18" charset="0"/>
-                <a:hlinkClick r:id="rId23"/>
-              </a:rPr>
-              <a:t>52</a:t>
+                <a:hlinkClick r:id="rId24"/>
+              </a:rPr>
+              <a:t>65</a:t>
             </a:r>
             <a:r>
               <a:rPr lang="en-US" sz="1000" baseline="30000" dirty="0" smtClean="0">
                 <a:cs typeface="Times New Roman" panose="02020603050405020304" pitchFamily="18" charset="0"/>
-                <a:hlinkClick r:id="rId23"/>
+                <a:hlinkClick r:id="rId24"/>
               </a:rPr>
               <a:t>th</a:t>
             </a:r>
@@ -4410,19 +4382,31 @@
               <a:rPr lang="en-US" sz="1000" dirty="0" smtClean="0">
                 <a:cs typeface="Times New Roman" panose="02020603050405020304" pitchFamily="18" charset="0"/>
               </a:rPr>
-              <a:t>), SUST IUPC-2017 (</a:t>
+              <a:t>), BUET CSE FEST-2016 (</a:t>
             </a:r>
             <a:r>
               <a:rPr lang="en-US" sz="1000" dirty="0" smtClean="0">
                 <a:cs typeface="Times New Roman" panose="02020603050405020304" pitchFamily="18" charset="0"/>
-                <a:hlinkClick r:id="rId24"/>
-              </a:rPr>
-              <a:t>81</a:t>
+                <a:hlinkClick r:id="rId25"/>
+              </a:rPr>
+              <a:t>65</a:t>
+            </a:r>
+            <a:r>
+              <a:rPr lang="en-US" sz="1000" baseline="30000" dirty="0">
+                <a:cs typeface="Times New Roman" panose="02020603050405020304" pitchFamily="18" charset="0"/>
+                <a:hlinkClick r:id="rId25"/>
+              </a:rPr>
+              <a:t>th</a:t>
+            </a:r>
+            <a:r>
+              <a:rPr lang="en-US" sz="1000" dirty="0" smtClean="0">
+                <a:cs typeface="Times New Roman" panose="02020603050405020304" pitchFamily="18" charset="0"/>
+              </a:rPr>
+              <a:t>), Snack Down-2017 (2591</a:t>
             </a:r>
             <a:r>
               <a:rPr lang="en-US" sz="1000" baseline="30000" dirty="0" smtClean="0">
                 <a:cs typeface="Times New Roman" panose="02020603050405020304" pitchFamily="18" charset="0"/>
-                <a:hlinkClick r:id="rId24"/>
               </a:rPr>
               <a:t>th</a:t>
             </a:r>
@@ -4430,31 +4414,39 @@
               <a:rPr lang="en-US" sz="1000" dirty="0" smtClean="0">
                 <a:cs typeface="Times New Roman" panose="02020603050405020304" pitchFamily="18" charset="0"/>
               </a:rPr>
-              <a:t>), IUT </a:t>
+              <a:t>/15000), MBSTU CSE CARNIVAL-2017 (</a:t>
             </a:r>
             <a:r>
               <a:rPr lang="en-US" sz="1000" dirty="0" smtClean="0">
                 <a:cs typeface="Times New Roman" panose="02020603050405020304" pitchFamily="18" charset="0"/>
-              </a:rPr>
-              <a:t>FEST-2016 </a:t>
+                <a:hlinkClick r:id="rId26"/>
+              </a:rPr>
+              <a:t>64</a:t>
+            </a:r>
+            <a:r>
+              <a:rPr lang="en-US" sz="1000" baseline="30000" dirty="0" smtClean="0">
+                <a:cs typeface="Times New Roman" panose="02020603050405020304" pitchFamily="18" charset="0"/>
+                <a:hlinkClick r:id="rId26"/>
+              </a:rPr>
+              <a:t>th</a:t>
             </a:r>
             <a:r>
               <a:rPr lang="en-US" sz="1000" dirty="0" smtClean="0">
                 <a:cs typeface="Times New Roman" panose="02020603050405020304" pitchFamily="18" charset="0"/>
               </a:rPr>
-              <a:t>(</a:t>
+              <a:t>), Cybernauts-2016 (</a:t>
             </a:r>
             <a:r>
               <a:rPr lang="en-US" sz="1000" dirty="0" smtClean="0">
                 <a:cs typeface="Times New Roman" panose="02020603050405020304" pitchFamily="18" charset="0"/>
-                <a:hlinkClick r:id="rId25"/>
-              </a:rPr>
-              <a:t>65</a:t>
+                <a:hlinkClick r:id="rId27"/>
+              </a:rPr>
+              <a:t>94</a:t>
             </a:r>
             <a:r>
               <a:rPr lang="en-US" sz="1000" baseline="30000" dirty="0" smtClean="0">
                 <a:cs typeface="Times New Roman" panose="02020603050405020304" pitchFamily="18" charset="0"/>
-                <a:hlinkClick r:id="rId25"/>
+                <a:hlinkClick r:id="rId27"/>
               </a:rPr>
               <a:t>th</a:t>
             </a:r>
@@ -4462,141 +4454,27 @@
               <a:rPr lang="en-US" sz="1000" dirty="0" smtClean="0">
                 <a:cs typeface="Times New Roman" panose="02020603050405020304" pitchFamily="18" charset="0"/>
               </a:rPr>
-              <a:t>), </a:t>
+              <a:t>), Cybernauts-2017 (</a:t>
             </a:r>
             <a:r>
               <a:rPr lang="en-US" sz="1000" dirty="0" smtClean="0">
                 <a:cs typeface="Times New Roman" panose="02020603050405020304" pitchFamily="18" charset="0"/>
-              </a:rPr>
-              <a:t>BUET CSE FEST-2016 (</a:t>
+                <a:hlinkClick r:id="rId28"/>
+              </a:rPr>
+              <a:t>68</a:t>
+            </a:r>
+            <a:r>
+              <a:rPr lang="en-US" sz="1000" baseline="30000" dirty="0" smtClean="0">
+                <a:cs typeface="Times New Roman" panose="02020603050405020304" pitchFamily="18" charset="0"/>
+                <a:hlinkClick r:id="rId28"/>
+              </a:rPr>
+              <a:t>th</a:t>
             </a:r>
             <a:r>
               <a:rPr lang="en-US" sz="1000" dirty="0" smtClean="0">
                 <a:cs typeface="Times New Roman" panose="02020603050405020304" pitchFamily="18" charset="0"/>
-                <a:hlinkClick r:id="rId26"/>
-              </a:rPr>
-              <a:t>65</a:t>
-            </a:r>
-            <a:r>
-              <a:rPr lang="en-US" sz="1000" baseline="30000" dirty="0">
-                <a:cs typeface="Times New Roman" panose="02020603050405020304" pitchFamily="18" charset="0"/>
-                <a:hlinkClick r:id="rId26"/>
-              </a:rPr>
-              <a:t>th</a:t>
-            </a:r>
-            <a:r>
-              <a:rPr lang="en-US" sz="1000" dirty="0" smtClean="0">
-                <a:cs typeface="Times New Roman" panose="02020603050405020304" pitchFamily="18" charset="0"/>
-              </a:rPr>
-              <a:t>), Snack Down-2017 (</a:t>
-            </a:r>
-            <a:r>
-              <a:rPr lang="en-US" sz="1000" dirty="0" smtClean="0">
-                <a:cs typeface="Times New Roman" panose="02020603050405020304" pitchFamily="18" charset="0"/>
-              </a:rPr>
-              <a:t>2591</a:t>
-            </a:r>
-            <a:r>
-              <a:rPr lang="en-US" sz="1000" baseline="30000" dirty="0" smtClean="0">
-                <a:cs typeface="Times New Roman" panose="02020603050405020304" pitchFamily="18" charset="0"/>
-              </a:rPr>
-              <a:t>th</a:t>
-            </a:r>
-            <a:r>
-              <a:rPr lang="en-US" sz="1000" dirty="0" smtClean="0">
-                <a:cs typeface="Times New Roman" panose="02020603050405020304" pitchFamily="18" charset="0"/>
-              </a:rPr>
-              <a:t>/15000), </a:t>
-            </a:r>
-            <a:r>
-              <a:rPr lang="en-US" sz="1000" dirty="0" smtClean="0">
-                <a:cs typeface="Times New Roman" panose="02020603050405020304" pitchFamily="18" charset="0"/>
-              </a:rPr>
-              <a:t>MBSTU CSE CARNIVAL-2017 (</a:t>
-            </a:r>
-            <a:r>
-              <a:rPr lang="en-US" sz="1000" dirty="0" smtClean="0">
-                <a:cs typeface="Times New Roman" panose="02020603050405020304" pitchFamily="18" charset="0"/>
-                <a:hlinkClick r:id="rId27"/>
-              </a:rPr>
-              <a:t>64</a:t>
-            </a:r>
-            <a:r>
-              <a:rPr lang="en-US" sz="1000" baseline="30000" dirty="0" smtClean="0">
-                <a:cs typeface="Times New Roman" panose="02020603050405020304" pitchFamily="18" charset="0"/>
-                <a:hlinkClick r:id="rId27"/>
-              </a:rPr>
-              <a:t>th</a:t>
-            </a:r>
-            <a:r>
-              <a:rPr lang="en-US" sz="1000" dirty="0" smtClean="0">
-                <a:cs typeface="Times New Roman" panose="02020603050405020304" pitchFamily="18" charset="0"/>
-              </a:rPr>
-              <a:t>), Cybernauts-2016 </a:t>
-            </a:r>
-            <a:r>
-              <a:rPr lang="en-US" sz="1000" dirty="0" smtClean="0">
-                <a:cs typeface="Times New Roman" panose="02020603050405020304" pitchFamily="18" charset="0"/>
-              </a:rPr>
-              <a:t>(</a:t>
-            </a:r>
-            <a:r>
-              <a:rPr lang="en-US" sz="1000" dirty="0" smtClean="0">
-                <a:cs typeface="Times New Roman" panose="02020603050405020304" pitchFamily="18" charset="0"/>
-                <a:hlinkClick r:id="rId28"/>
-              </a:rPr>
-              <a:t>94</a:t>
-            </a:r>
-            <a:r>
-              <a:rPr lang="en-US" sz="1000" baseline="30000" dirty="0" smtClean="0">
-                <a:cs typeface="Times New Roman" panose="02020603050405020304" pitchFamily="18" charset="0"/>
-                <a:hlinkClick r:id="rId28"/>
-              </a:rPr>
-              <a:t>th</a:t>
-            </a:r>
-            <a:r>
-              <a:rPr lang="en-US" sz="1000" dirty="0" smtClean="0">
-                <a:cs typeface="Times New Roman" panose="02020603050405020304" pitchFamily="18" charset="0"/>
-              </a:rPr>
-              <a:t>), </a:t>
-            </a:r>
-            <a:r>
-              <a:rPr lang="en-US" sz="1000" dirty="0" smtClean="0">
-                <a:cs typeface="Times New Roman" panose="02020603050405020304" pitchFamily="18" charset="0"/>
-              </a:rPr>
-              <a:t>Cybernauts-2017 </a:t>
-            </a:r>
-            <a:r>
-              <a:rPr lang="en-US" sz="1000" dirty="0" smtClean="0">
-                <a:cs typeface="Times New Roman" panose="02020603050405020304" pitchFamily="18" charset="0"/>
-              </a:rPr>
-              <a:t>(</a:t>
-            </a:r>
-            <a:r>
-              <a:rPr lang="en-US" sz="1000" dirty="0" smtClean="0">
-                <a:cs typeface="Times New Roman" panose="02020603050405020304" pitchFamily="18" charset="0"/>
-                <a:hlinkClick r:id="rId29"/>
-              </a:rPr>
-              <a:t>68</a:t>
-            </a:r>
-            <a:r>
-              <a:rPr lang="en-US" sz="1000" baseline="30000" dirty="0" smtClean="0">
-                <a:cs typeface="Times New Roman" panose="02020603050405020304" pitchFamily="18" charset="0"/>
-                <a:hlinkClick r:id="rId29"/>
-              </a:rPr>
-              <a:t>th</a:t>
-            </a:r>
-            <a:r>
-              <a:rPr lang="en-US" sz="1000" dirty="0" smtClean="0">
-                <a:cs typeface="Times New Roman" panose="02020603050405020304" pitchFamily="18" charset="0"/>
-              </a:rPr>
-              <a:t> </a:t>
-            </a:r>
-            <a:r>
-              <a:rPr lang="en-US" sz="1000" dirty="0" smtClean="0">
-                <a:cs typeface="Times New Roman" panose="02020603050405020304" pitchFamily="18" charset="0"/>
-              </a:rPr>
-              <a:t>).</a:t>
+              </a:rPr>
+              <a:t> ).</a:t>
             </a:r>
           </a:p>
           <a:p>
@@ -4611,25 +4489,7 @@
               <a:rPr lang="en-US" sz="1000" dirty="0" smtClean="0">
                 <a:cs typeface="Times New Roman" panose="02020603050405020304" pitchFamily="18" charset="0"/>
               </a:rPr>
-              <a:t>MBSTU CSE </a:t>
-            </a:r>
-            <a:r>
-              <a:rPr lang="en-US" sz="1000" dirty="0" smtClean="0">
-                <a:cs typeface="Times New Roman" panose="02020603050405020304" pitchFamily="18" charset="0"/>
-              </a:rPr>
-              <a:t>Carnival-2017 </a:t>
-            </a:r>
-            <a:r>
-              <a:rPr lang="en-US" sz="1000" dirty="0" smtClean="0">
-                <a:cs typeface="Times New Roman" panose="02020603050405020304" pitchFamily="18" charset="0"/>
-              </a:rPr>
-              <a:t>Project Showcasing, </a:t>
-            </a:r>
-            <a:r>
-              <a:rPr lang="en-US" sz="1000" dirty="0" smtClean="0">
-                <a:cs typeface="Times New Roman" panose="02020603050405020304" pitchFamily="18" charset="0"/>
-              </a:rPr>
-              <a:t>NSU Global Robotic Challenge-2016(4th).</a:t>
+              <a:t>MBSTU CSE Carnival-2017 Project Showcasing, NSU Global Robotic Challenge-2016(4th).</a:t>
             </a:r>
           </a:p>
           <a:p>
@@ -4652,31 +4512,25 @@
               <a:rPr lang="en-US" sz="1000" b="1" dirty="0" smtClean="0">
                 <a:cs typeface="Times New Roman" panose="02020603050405020304" pitchFamily="18" charset="0"/>
               </a:rPr>
-              <a:t>Software </a:t>
-            </a:r>
-            <a:r>
-              <a:rPr lang="en-US" sz="1000" b="1" dirty="0" smtClean="0">
-                <a:cs typeface="Times New Roman" panose="02020603050405020304" pitchFamily="18" charset="0"/>
-              </a:rPr>
-              <a:t>Projects Link - </a:t>
+              <a:t>Software Projects Link - </a:t>
             </a:r>
             <a:r>
               <a:rPr lang="en-US" sz="1000" dirty="0" err="1" smtClean="0">
                 <a:cs typeface="Times New Roman" panose="02020603050405020304" pitchFamily="18" charset="0"/>
+                <a:hlinkClick r:id="rId29"/>
+              </a:rPr>
+              <a:t>Github</a:t>
+            </a:r>
+            <a:r>
+              <a:rPr lang="en-US" sz="1000" dirty="0">
+                <a:cs typeface="Times New Roman" panose="02020603050405020304" pitchFamily="18" charset="0"/>
+              </a:rPr>
+              <a:t>, </a:t>
+            </a:r>
+            <a:r>
+              <a:rPr lang="en-US" sz="1000" dirty="0">
+                <a:cs typeface="Times New Roman" panose="02020603050405020304" pitchFamily="18" charset="0"/>
                 <a:hlinkClick r:id="rId30"/>
-              </a:rPr>
-              <a:t>Github</a:t>
-            </a:r>
-            <a:r>
-              <a:rPr lang="en-US" sz="1000" dirty="0">
-                <a:cs typeface="Times New Roman" panose="02020603050405020304" pitchFamily="18" charset="0"/>
-              </a:rPr>
-              <a:t>, </a:t>
-            </a:r>
-            <a:r>
-              <a:rPr lang="en-US" sz="1000" dirty="0">
-                <a:cs typeface="Times New Roman" panose="02020603050405020304" pitchFamily="18" charset="0"/>
-                <a:hlinkClick r:id="rId31"/>
               </a:rPr>
               <a:t>Others</a:t>
             </a:r>
@@ -4699,25 +4553,13 @@
               <a:rPr lang="en-US" sz="1000" b="1" dirty="0" smtClean="0">
                 <a:cs typeface="Times New Roman" panose="02020603050405020304" pitchFamily="18" charset="0"/>
               </a:rPr>
-              <a:t>IOT based Smart </a:t>
-            </a:r>
-            <a:r>
-              <a:rPr lang="en-US" sz="1000" b="1" dirty="0" smtClean="0">
-                <a:cs typeface="Times New Roman" panose="02020603050405020304" pitchFamily="18" charset="0"/>
-              </a:rPr>
-              <a:t>office.</a:t>
+              <a:t>IOT based Smart office.</a:t>
             </a:r>
             <a:r>
               <a:rPr lang="en-US" sz="1000" dirty="0" smtClean="0">
                 <a:cs typeface="Times New Roman" panose="02020603050405020304" pitchFamily="18" charset="0"/>
               </a:rPr>
-              <a:t> </a:t>
-            </a:r>
-            <a:r>
-              <a:rPr lang="en-US" sz="1000" dirty="0" smtClean="0">
-                <a:cs typeface="Times New Roman" panose="02020603050405020304" pitchFamily="18" charset="0"/>
-              </a:rPr>
-              <a:t>(</a:t>
+              <a:t> (</a:t>
             </a:r>
             <a:r>
               <a:rPr lang="en-US" sz="900" dirty="0" smtClean="0">
@@ -4735,13 +4577,7 @@
               <a:rPr lang="en-US" sz="900" dirty="0" smtClean="0">
                 <a:cs typeface="Times New Roman" panose="02020603050405020304" pitchFamily="18" charset="0"/>
               </a:rPr>
-              <a:t>RFID, fingerprint </a:t>
-            </a:r>
-            <a:r>
-              <a:rPr lang="en-US" sz="900" dirty="0" smtClean="0">
-                <a:cs typeface="Times New Roman" panose="02020603050405020304" pitchFamily="18" charset="0"/>
-              </a:rPr>
-              <a:t>scanner, Wifi-8266, </a:t>
+              <a:t>RFID, fingerprint scanner, Wifi-8266, </a:t>
             </a:r>
             <a:r>
               <a:rPr lang="en-US" sz="900" dirty="0" err="1" smtClean="0">
@@ -4792,9 +4628,6 @@
               </a:rPr>
               <a:t>attendance. </a:t>
             </a:r>
-            <a:endParaRPr lang="en-US" sz="900" dirty="0" smtClean="0">
-              <a:cs typeface="Times New Roman" panose="02020603050405020304" pitchFamily="18" charset="0"/>
-            </a:endParaRPr>
           </a:p>
           <a:p>
             <a:pPr marL="171450" indent="-171450">
@@ -4816,9 +4649,6 @@
               </a:rPr>
               <a:t>(Java web,  Spring, JPA, Ajax,  JavaScript)</a:t>
             </a:r>
-            <a:endParaRPr lang="en-US" sz="1000" dirty="0" smtClean="0">
-              <a:cs typeface="Times New Roman" panose="02020603050405020304" pitchFamily="18" charset="0"/>
-            </a:endParaRPr>
           </a:p>
           <a:p>
             <a:pPr>
@@ -5137,20 +4967,20 @@
             <a:r>
               <a:rPr lang="en-US" sz="1200" dirty="0" err="1" smtClean="0">
                 <a:cs typeface="Times New Roman" panose="02020603050405020304" pitchFamily="18" charset="0"/>
+                <a:hlinkClick r:id="rId31"/>
+              </a:rPr>
+              <a:t>Github</a:t>
+            </a:r>
+            <a:r>
+              <a:rPr lang="en-US" sz="1200" dirty="0" smtClean="0">
+                <a:cs typeface="Times New Roman" panose="02020603050405020304" pitchFamily="18" charset="0"/>
+              </a:rPr>
+              <a:t> , </a:t>
+            </a:r>
+            <a:r>
+              <a:rPr lang="en-US" sz="1200" dirty="0" smtClean="0">
+                <a:cs typeface="Times New Roman" panose="02020603050405020304" pitchFamily="18" charset="0"/>
                 <a:hlinkClick r:id="rId32"/>
-              </a:rPr>
-              <a:t>Github</a:t>
-            </a:r>
-            <a:r>
-              <a:rPr lang="en-US" sz="1200" dirty="0" smtClean="0">
-                <a:cs typeface="Times New Roman" panose="02020603050405020304" pitchFamily="18" charset="0"/>
-              </a:rPr>
-              <a:t> , </a:t>
-            </a:r>
-            <a:r>
-              <a:rPr lang="en-US" sz="1200" dirty="0" smtClean="0">
-                <a:cs typeface="Times New Roman" panose="02020603050405020304" pitchFamily="18" charset="0"/>
-                <a:hlinkClick r:id="rId33"/>
               </a:rPr>
               <a:t>Others</a:t>
             </a:r>
@@ -5495,19 +5325,7 @@
               <a:rPr lang="en-US" sz="900" dirty="0" smtClean="0">
                 <a:cs typeface="Times New Roman" panose="02020603050405020304" pitchFamily="18" charset="0"/>
               </a:rPr>
-              <a:t>Vice-Chair</a:t>
-            </a:r>
-            <a:r>
-              <a:rPr lang="en-US" sz="900" dirty="0" smtClean="0">
-                <a:cs typeface="Times New Roman" panose="02020603050405020304" pitchFamily="18" charset="0"/>
-              </a:rPr>
-              <a:t>, </a:t>
-            </a:r>
-            <a:r>
-              <a:rPr lang="en-US" sz="900" dirty="0" smtClean="0">
-                <a:cs typeface="Times New Roman" panose="02020603050405020304" pitchFamily="18" charset="0"/>
-              </a:rPr>
-              <a:t>IEEE Student Branch, MBSTU</a:t>
+              <a:t>Vice-Chair, IEEE Student Branch, MBSTU</a:t>
             </a:r>
           </a:p>
           <a:p>
@@ -5609,7 +5427,7 @@
         <p:spPr>
           <a:xfrm>
             <a:off x="4519812" y="142371"/>
-            <a:ext cx="2116071" cy="707886"/>
+            <a:ext cx="2116071" cy="861774"/>
           </a:xfrm>
           <a:prstGeom prst="rect">
             <a:avLst/>
@@ -5643,9 +5461,17 @@
           <a:p>
             <a:pPr algn="r"/>
             <a:r>
-              <a:rPr lang="en-US" sz="1000" dirty="0"/>
+              <a:rPr lang="en-US" sz="1000" dirty="0" smtClean="0"/>
               <a:t>github.com/asad14053</a:t>
             </a:r>
+          </a:p>
+          <a:p>
+            <a:pPr algn="r"/>
+            <a:r>
+              <a:rPr lang="en-US" sz="1000"/>
+              <a:t>acmcoder.blogspot.com</a:t>
+            </a:r>
+            <a:endParaRPr lang="en-US" sz="1000" dirty="0"/>
           </a:p>
         </p:txBody>
       </p:sp>
@@ -5700,8 +5526,8 @@
         </p:nvSpPr>
         <p:spPr>
           <a:xfrm>
-            <a:off x="1624938" y="564542"/>
-            <a:ext cx="1932167" cy="553998"/>
+            <a:off x="1719938" y="564542"/>
+            <a:ext cx="1815163" cy="553998"/>
           </a:xfrm>
           <a:prstGeom prst="rect">
             <a:avLst/>
@@ -6014,7 +5840,7 @@
         </p:nvSpPr>
         <p:spPr>
           <a:xfrm>
-            <a:off x="598696" y="5772697"/>
+            <a:off x="598696" y="5748947"/>
             <a:ext cx="1460626" cy="430887"/>
           </a:xfrm>
           <a:prstGeom prst="rect">
@@ -6109,6 +5935,36 @@
           </a:p>
         </p:txBody>
       </p:sp>
+      <p:pic>
+        <p:nvPicPr>
+          <p:cNvPr id="16" name="Picture 15"/>
+          <p:cNvPicPr>
+            <a:picLocks noChangeAspect="1"/>
+          </p:cNvPicPr>
+          <p:nvPr/>
+        </p:nvPicPr>
+        <p:blipFill>
+          <a:blip r:embed="rId33" cstate="print">
+            <a:extLst>
+              <a:ext uri="{28A0092B-C50C-407E-A947-70E740481C1C}">
+                <a14:useLocalDpi xmlns:a14="http://schemas.microsoft.com/office/drawing/2010/main" val="0"/>
+              </a:ext>
+            </a:extLst>
+          </a:blip>
+          <a:stretch>
+            <a:fillRect/>
+          </a:stretch>
+        </p:blipFill>
+        <p:spPr>
+          <a:xfrm>
+            <a:off x="693695" y="165736"/>
+            <a:ext cx="1005044" cy="1053134"/>
+          </a:xfrm>
+          <a:prstGeom prst="rect">
+            <a:avLst/>
+          </a:prstGeom>
+        </p:spPr>
+      </p:pic>
     </p:spTree>
     <p:extLst>
       <p:ext uri="{BB962C8B-B14F-4D97-AF65-F5344CB8AC3E}">

--- a/my CV/main cv/asad_cv.pptx
+++ b/my CV/main cv/asad_cv.pptx
@@ -197,7 +197,7 @@
           <a:p>
             <a:fld id="{3D6A826E-06BF-4247-8C5F-4B5EFF078D52}" type="datetimeFigureOut">
               <a:rPr lang="en-US" smtClean="0"/>
-              <a:t>13-Jun-19</a:t>
+              <a:t>14-Jun-19</a:t>
             </a:fld>
             <a:endParaRPr lang="en-US" dirty="0"/>
           </a:p>
@@ -686,7 +686,7 @@
           <a:p>
             <a:fld id="{970B34A7-3EF8-4DB9-B928-BFC7C5108EB8}" type="datetimeFigureOut">
               <a:rPr lang="en-US" smtClean="0"/>
-              <a:t>13-Jun-19</a:t>
+              <a:t>14-Jun-19</a:t>
             </a:fld>
             <a:endParaRPr lang="en-US" dirty="0"/>
           </a:p>
@@ -856,7 +856,7 @@
           <a:p>
             <a:fld id="{970B34A7-3EF8-4DB9-B928-BFC7C5108EB8}" type="datetimeFigureOut">
               <a:rPr lang="en-US" smtClean="0"/>
-              <a:t>13-Jun-19</a:t>
+              <a:t>14-Jun-19</a:t>
             </a:fld>
             <a:endParaRPr lang="en-US" dirty="0"/>
           </a:p>
@@ -1036,7 +1036,7 @@
           <a:p>
             <a:fld id="{970B34A7-3EF8-4DB9-B928-BFC7C5108EB8}" type="datetimeFigureOut">
               <a:rPr lang="en-US" smtClean="0"/>
-              <a:t>13-Jun-19</a:t>
+              <a:t>14-Jun-19</a:t>
             </a:fld>
             <a:endParaRPr lang="en-US" dirty="0"/>
           </a:p>
@@ -1206,7 +1206,7 @@
           <a:p>
             <a:fld id="{970B34A7-3EF8-4DB9-B928-BFC7C5108EB8}" type="datetimeFigureOut">
               <a:rPr lang="en-US" smtClean="0"/>
-              <a:t>13-Jun-19</a:t>
+              <a:t>14-Jun-19</a:t>
             </a:fld>
             <a:endParaRPr lang="en-US" dirty="0"/>
           </a:p>
@@ -1452,7 +1452,7 @@
           <a:p>
             <a:fld id="{970B34A7-3EF8-4DB9-B928-BFC7C5108EB8}" type="datetimeFigureOut">
               <a:rPr lang="en-US" smtClean="0"/>
-              <a:t>13-Jun-19</a:t>
+              <a:t>14-Jun-19</a:t>
             </a:fld>
             <a:endParaRPr lang="en-US" dirty="0"/>
           </a:p>
@@ -1684,7 +1684,7 @@
           <a:p>
             <a:fld id="{970B34A7-3EF8-4DB9-B928-BFC7C5108EB8}" type="datetimeFigureOut">
               <a:rPr lang="en-US" smtClean="0"/>
-              <a:t>13-Jun-19</a:t>
+              <a:t>14-Jun-19</a:t>
             </a:fld>
             <a:endParaRPr lang="en-US" dirty="0"/>
           </a:p>
@@ -2051,7 +2051,7 @@
           <a:p>
             <a:fld id="{970B34A7-3EF8-4DB9-B928-BFC7C5108EB8}" type="datetimeFigureOut">
               <a:rPr lang="en-US" smtClean="0"/>
-              <a:t>13-Jun-19</a:t>
+              <a:t>14-Jun-19</a:t>
             </a:fld>
             <a:endParaRPr lang="en-US" dirty="0"/>
           </a:p>
@@ -2169,7 +2169,7 @@
           <a:p>
             <a:fld id="{970B34A7-3EF8-4DB9-B928-BFC7C5108EB8}" type="datetimeFigureOut">
               <a:rPr lang="en-US" smtClean="0"/>
-              <a:t>13-Jun-19</a:t>
+              <a:t>14-Jun-19</a:t>
             </a:fld>
             <a:endParaRPr lang="en-US" dirty="0"/>
           </a:p>
@@ -2264,7 +2264,7 @@
           <a:p>
             <a:fld id="{970B34A7-3EF8-4DB9-B928-BFC7C5108EB8}" type="datetimeFigureOut">
               <a:rPr lang="en-US" smtClean="0"/>
-              <a:t>13-Jun-19</a:t>
+              <a:t>14-Jun-19</a:t>
             </a:fld>
             <a:endParaRPr lang="en-US" dirty="0"/>
           </a:p>
@@ -2541,7 +2541,7 @@
           <a:p>
             <a:fld id="{970B34A7-3EF8-4DB9-B928-BFC7C5108EB8}" type="datetimeFigureOut">
               <a:rPr lang="en-US" smtClean="0"/>
-              <a:t>13-Jun-19</a:t>
+              <a:t>14-Jun-19</a:t>
             </a:fld>
             <a:endParaRPr lang="en-US" dirty="0"/>
           </a:p>
@@ -2794,7 +2794,7 @@
           <a:p>
             <a:fld id="{970B34A7-3EF8-4DB9-B928-BFC7C5108EB8}" type="datetimeFigureOut">
               <a:rPr lang="en-US" smtClean="0"/>
-              <a:t>13-Jun-19</a:t>
+              <a:t>14-Jun-19</a:t>
             </a:fld>
             <a:endParaRPr lang="en-US" dirty="0"/>
           </a:p>
@@ -3007,7 +3007,7 @@
           <a:p>
             <a:fld id="{970B34A7-3EF8-4DB9-B928-BFC7C5108EB8}" type="datetimeFigureOut">
               <a:rPr lang="en-US" smtClean="0"/>
-              <a:t>13-Jun-19</a:t>
+              <a:t>14-Jun-19</a:t>
             </a:fld>
             <a:endParaRPr lang="en-US" dirty="0"/>
           </a:p>
@@ -4559,7 +4559,13 @@
               <a:rPr lang="en-US" sz="1000" dirty="0" smtClean="0">
                 <a:cs typeface="Times New Roman" panose="02020603050405020304" pitchFamily="18" charset="0"/>
               </a:rPr>
-              <a:t> (</a:t>
+              <a:t> </a:t>
+            </a:r>
+            <a:r>
+              <a:rPr lang="en-US" sz="1000" dirty="0" smtClean="0">
+                <a:cs typeface="Times New Roman" panose="02020603050405020304" pitchFamily="18" charset="0"/>
+              </a:rPr>
+              <a:t>(Technology: </a:t>
             </a:r>
             <a:r>
               <a:rPr lang="en-US" sz="900" dirty="0" smtClean="0">
@@ -4583,10 +4589,10 @@
               <a:rPr lang="en-US" sz="900" dirty="0" err="1" smtClean="0">
                 <a:cs typeface="Times New Roman" panose="02020603050405020304" pitchFamily="18" charset="0"/>
               </a:rPr>
-              <a:t>Arduino</a:t>
-            </a:r>
-            <a:r>
-              <a:rPr lang="en-US" sz="900" dirty="0">
+              <a:t>Arduino-uno</a:t>
+            </a:r>
+            <a:r>
+              <a:rPr lang="en-US" sz="900" dirty="0" smtClean="0">
                 <a:cs typeface="Times New Roman" panose="02020603050405020304" pitchFamily="18" charset="0"/>
               </a:rPr>
               <a:t> </a:t>
@@ -4620,7 +4626,19 @@
               <a:rPr lang="en-US" sz="900" dirty="0">
                 <a:cs typeface="Times New Roman" panose="02020603050405020304" pitchFamily="18" charset="0"/>
               </a:rPr>
-              <a:t>works as a  complete office management tool including –RFID and Fingerprint </a:t>
+              <a:t>works as a  complete </a:t>
+            </a:r>
+            <a:r>
+              <a:rPr lang="en-US" sz="900" dirty="0" smtClean="0">
+                <a:cs typeface="Times New Roman" panose="02020603050405020304" pitchFamily="18" charset="0"/>
+              </a:rPr>
+              <a:t>IOT based office </a:t>
+            </a:r>
+            <a:r>
+              <a:rPr lang="en-US" sz="900" dirty="0">
+                <a:cs typeface="Times New Roman" panose="02020603050405020304" pitchFamily="18" charset="0"/>
+              </a:rPr>
+              <a:t>management tool including –RFID and Fingerprint </a:t>
             </a:r>
             <a:r>
               <a:rPr lang="en-US" sz="900" dirty="0" smtClean="0">
@@ -4647,7 +4665,13 @@
               <a:rPr lang="en-US" sz="1000" dirty="0" smtClean="0">
                 <a:cs typeface="Times New Roman" panose="02020603050405020304" pitchFamily="18" charset="0"/>
               </a:rPr>
-              <a:t>(Java web,  Spring, JPA, Ajax,  JavaScript)</a:t>
+              <a:t>(Technology: Java </a:t>
+            </a:r>
+            <a:r>
+              <a:rPr lang="en-US" sz="1000" dirty="0" smtClean="0">
+                <a:cs typeface="Times New Roman" panose="02020603050405020304" pitchFamily="18" charset="0"/>
+              </a:rPr>
+              <a:t>web,  Spring, JPA, Ajax,  JavaScript)</a:t>
             </a:r>
           </a:p>
           <a:p>
@@ -4687,7 +4711,13 @@
               <a:rPr lang="en-US" sz="1000" dirty="0" smtClean="0">
                 <a:cs typeface="Times New Roman" panose="02020603050405020304" pitchFamily="18" charset="0"/>
               </a:rPr>
-              <a:t>(Technology : </a:t>
+              <a:t>(</a:t>
+            </a:r>
+            <a:r>
+              <a:rPr lang="en-US" sz="1000" dirty="0" smtClean="0">
+                <a:cs typeface="Times New Roman" panose="02020603050405020304" pitchFamily="18" charset="0"/>
+              </a:rPr>
+              <a:t>Technology: </a:t>
             </a:r>
             <a:r>
               <a:rPr lang="en-US" sz="900" dirty="0" smtClean="0">
@@ -4745,16 +4775,10 @@
               <a:t>(</a:t>
             </a:r>
             <a:r>
-              <a:rPr lang="en-US" sz="1000" dirty="0">
-                <a:cs typeface="Times New Roman" panose="02020603050405020304" pitchFamily="18" charset="0"/>
-              </a:rPr>
-              <a:t>Technology :</a:t>
-            </a:r>
-            <a:r>
               <a:rPr lang="en-US" sz="1000" dirty="0" smtClean="0">
                 <a:cs typeface="Times New Roman" panose="02020603050405020304" pitchFamily="18" charset="0"/>
               </a:rPr>
-              <a:t> </a:t>
+              <a:t>Technology: </a:t>
             </a:r>
             <a:r>
               <a:rPr lang="en-US" sz="900" dirty="0" err="1" smtClean="0">
@@ -4824,10 +4848,10 @@
               <a:t>(</a:t>
             </a:r>
             <a:r>
-              <a:rPr lang="en-US" sz="1000" dirty="0">
-                <a:cs typeface="Times New Roman" panose="02020603050405020304" pitchFamily="18" charset="0"/>
-              </a:rPr>
-              <a:t>Technology : </a:t>
+              <a:rPr lang="en-US" sz="1000" dirty="0" smtClean="0">
+                <a:cs typeface="Times New Roman" panose="02020603050405020304" pitchFamily="18" charset="0"/>
+              </a:rPr>
+              <a:t>Technology: </a:t>
             </a:r>
             <a:r>
               <a:rPr lang="en-US" sz="900" dirty="0" smtClean="0">
@@ -4903,10 +4927,10 @@
               <a:t>(</a:t>
             </a:r>
             <a:r>
-              <a:rPr lang="en-US" sz="1000" dirty="0">
-                <a:cs typeface="Times New Roman" panose="02020603050405020304" pitchFamily="18" charset="0"/>
-              </a:rPr>
-              <a:t>Technology : </a:t>
+              <a:rPr lang="en-US" sz="1000" dirty="0" smtClean="0">
+                <a:cs typeface="Times New Roman" panose="02020603050405020304" pitchFamily="18" charset="0"/>
+              </a:rPr>
+              <a:t>Technology: </a:t>
             </a:r>
             <a:r>
               <a:rPr lang="en-US" sz="900" dirty="0" smtClean="0">

--- a/my CV/main cv/asad_cv.pptx
+++ b/my CV/main cv/asad_cv.pptx
@@ -197,7 +197,7 @@
           <a:p>
             <a:fld id="{3D6A826E-06BF-4247-8C5F-4B5EFF078D52}" type="datetimeFigureOut">
               <a:rPr lang="en-US" smtClean="0"/>
-              <a:t>14-Jun-19</a:t>
+              <a:t>17-Jun-19</a:t>
             </a:fld>
             <a:endParaRPr lang="en-US" dirty="0"/>
           </a:p>
@@ -686,7 +686,7 @@
           <a:p>
             <a:fld id="{970B34A7-3EF8-4DB9-B928-BFC7C5108EB8}" type="datetimeFigureOut">
               <a:rPr lang="en-US" smtClean="0"/>
-              <a:t>14-Jun-19</a:t>
+              <a:t>17-Jun-19</a:t>
             </a:fld>
             <a:endParaRPr lang="en-US" dirty="0"/>
           </a:p>
@@ -856,7 +856,7 @@
           <a:p>
             <a:fld id="{970B34A7-3EF8-4DB9-B928-BFC7C5108EB8}" type="datetimeFigureOut">
               <a:rPr lang="en-US" smtClean="0"/>
-              <a:t>14-Jun-19</a:t>
+              <a:t>17-Jun-19</a:t>
             </a:fld>
             <a:endParaRPr lang="en-US" dirty="0"/>
           </a:p>
@@ -1036,7 +1036,7 @@
           <a:p>
             <a:fld id="{970B34A7-3EF8-4DB9-B928-BFC7C5108EB8}" type="datetimeFigureOut">
               <a:rPr lang="en-US" smtClean="0"/>
-              <a:t>14-Jun-19</a:t>
+              <a:t>17-Jun-19</a:t>
             </a:fld>
             <a:endParaRPr lang="en-US" dirty="0"/>
           </a:p>
@@ -1206,7 +1206,7 @@
           <a:p>
             <a:fld id="{970B34A7-3EF8-4DB9-B928-BFC7C5108EB8}" type="datetimeFigureOut">
               <a:rPr lang="en-US" smtClean="0"/>
-              <a:t>14-Jun-19</a:t>
+              <a:t>17-Jun-19</a:t>
             </a:fld>
             <a:endParaRPr lang="en-US" dirty="0"/>
           </a:p>
@@ -1452,7 +1452,7 @@
           <a:p>
             <a:fld id="{970B34A7-3EF8-4DB9-B928-BFC7C5108EB8}" type="datetimeFigureOut">
               <a:rPr lang="en-US" smtClean="0"/>
-              <a:t>14-Jun-19</a:t>
+              <a:t>17-Jun-19</a:t>
             </a:fld>
             <a:endParaRPr lang="en-US" dirty="0"/>
           </a:p>
@@ -1684,7 +1684,7 @@
           <a:p>
             <a:fld id="{970B34A7-3EF8-4DB9-B928-BFC7C5108EB8}" type="datetimeFigureOut">
               <a:rPr lang="en-US" smtClean="0"/>
-              <a:t>14-Jun-19</a:t>
+              <a:t>17-Jun-19</a:t>
             </a:fld>
             <a:endParaRPr lang="en-US" dirty="0"/>
           </a:p>
@@ -2051,7 +2051,7 @@
           <a:p>
             <a:fld id="{970B34A7-3EF8-4DB9-B928-BFC7C5108EB8}" type="datetimeFigureOut">
               <a:rPr lang="en-US" smtClean="0"/>
-              <a:t>14-Jun-19</a:t>
+              <a:t>17-Jun-19</a:t>
             </a:fld>
             <a:endParaRPr lang="en-US" dirty="0"/>
           </a:p>
@@ -2169,7 +2169,7 @@
           <a:p>
             <a:fld id="{970B34A7-3EF8-4DB9-B928-BFC7C5108EB8}" type="datetimeFigureOut">
               <a:rPr lang="en-US" smtClean="0"/>
-              <a:t>14-Jun-19</a:t>
+              <a:t>17-Jun-19</a:t>
             </a:fld>
             <a:endParaRPr lang="en-US" dirty="0"/>
           </a:p>
@@ -2264,7 +2264,7 @@
           <a:p>
             <a:fld id="{970B34A7-3EF8-4DB9-B928-BFC7C5108EB8}" type="datetimeFigureOut">
               <a:rPr lang="en-US" smtClean="0"/>
-              <a:t>14-Jun-19</a:t>
+              <a:t>17-Jun-19</a:t>
             </a:fld>
             <a:endParaRPr lang="en-US" dirty="0"/>
           </a:p>
@@ -2541,7 +2541,7 @@
           <a:p>
             <a:fld id="{970B34A7-3EF8-4DB9-B928-BFC7C5108EB8}" type="datetimeFigureOut">
               <a:rPr lang="en-US" smtClean="0"/>
-              <a:t>14-Jun-19</a:t>
+              <a:t>17-Jun-19</a:t>
             </a:fld>
             <a:endParaRPr lang="en-US" dirty="0"/>
           </a:p>
@@ -2794,7 +2794,7 @@
           <a:p>
             <a:fld id="{970B34A7-3EF8-4DB9-B928-BFC7C5108EB8}" type="datetimeFigureOut">
               <a:rPr lang="en-US" smtClean="0"/>
-              <a:t>14-Jun-19</a:t>
+              <a:t>17-Jun-19</a:t>
             </a:fld>
             <a:endParaRPr lang="en-US" dirty="0"/>
           </a:p>
@@ -3007,7 +3007,7 @@
           <a:p>
             <a:fld id="{970B34A7-3EF8-4DB9-B928-BFC7C5108EB8}" type="datetimeFigureOut">
               <a:rPr lang="en-US" smtClean="0"/>
-              <a:t>14-Jun-19</a:t>
+              <a:t>17-Jun-19</a:t>
             </a:fld>
             <a:endParaRPr lang="en-US" dirty="0"/>
           </a:p>
@@ -3769,8 +3769,29 @@
               <a:rPr lang="en-US" sz="1000" b="1" dirty="0" smtClean="0">
                 <a:cs typeface="Times New Roman" panose="02020603050405020304" pitchFamily="18" charset="0"/>
               </a:rPr>
-              <a:t>Science, 2011 (5.00/5.00)</a:t>
-            </a:r>
+              <a:t>Science, 2011 (</a:t>
+            </a:r>
+            <a:r>
+              <a:rPr lang="en-US" sz="1000" b="1" dirty="0" smtClean="0">
+                <a:cs typeface="Times New Roman" panose="02020603050405020304" pitchFamily="18" charset="0"/>
+              </a:rPr>
+              <a:t>5.00/5.00, </a:t>
+            </a:r>
+            <a:r>
+              <a:rPr lang="en-US" sz="1000" b="1" dirty="0" err="1" smtClean="0">
+                <a:cs typeface="Times New Roman" panose="02020603050405020304" pitchFamily="18" charset="0"/>
+              </a:rPr>
+              <a:t>Reg</a:t>
+            </a:r>
+            <a:r>
+              <a:rPr lang="en-US" sz="1000" b="1" dirty="0" smtClean="0">
+                <a:cs typeface="Times New Roman" panose="02020603050405020304" pitchFamily="18" charset="0"/>
+              </a:rPr>
+              <a:t> No: 443252)</a:t>
+            </a:r>
+            <a:endParaRPr lang="en-US" sz="1000" b="1" dirty="0" smtClean="0">
+              <a:cs typeface="Times New Roman" panose="02020603050405020304" pitchFamily="18" charset="0"/>
+            </a:endParaRPr>
           </a:p>
           <a:p>
             <a:pPr algn="just">
@@ -4191,7 +4212,19 @@
               <a:rPr lang="en-US" sz="1000" b="1" dirty="0" smtClean="0">
                 <a:cs typeface="Times New Roman" panose="02020603050405020304" pitchFamily="18" charset="0"/>
               </a:rPr>
-              <a:t>), Security, Design pattern -(Factory method), Project management: (JIRA , Agile) and Testing methodologies. </a:t>
+              <a:t>), Security, Design pattern -(Factory method), Project management: (JIRA , Agile) and Testing methodologies, OS: (Linux</a:t>
+            </a:r>
+            <a:r>
+              <a:rPr lang="en-US" sz="1000" b="1" smtClean="0">
+                <a:cs typeface="Times New Roman" panose="02020603050405020304" pitchFamily="18" charset="0"/>
+              </a:rPr>
+              <a:t>, Windows</a:t>
+            </a:r>
+            <a:r>
+              <a:rPr lang="en-US" sz="1000" b="1" dirty="0" smtClean="0">
+                <a:cs typeface="Times New Roman" panose="02020603050405020304" pitchFamily="18" charset="0"/>
+              </a:rPr>
+              <a:t>). </a:t>
             </a:r>
           </a:p>
         </p:txBody>
@@ -4559,13 +4592,7 @@
               <a:rPr lang="en-US" sz="1000" dirty="0" smtClean="0">
                 <a:cs typeface="Times New Roman" panose="02020603050405020304" pitchFamily="18" charset="0"/>
               </a:rPr>
-              <a:t> </a:t>
-            </a:r>
-            <a:r>
-              <a:rPr lang="en-US" sz="1000" dirty="0" smtClean="0">
-                <a:cs typeface="Times New Roman" panose="02020603050405020304" pitchFamily="18" charset="0"/>
-              </a:rPr>
-              <a:t>(Technology: </a:t>
+              <a:t> (Technology: </a:t>
             </a:r>
             <a:r>
               <a:rPr lang="en-US" sz="900" dirty="0" smtClean="0">
@@ -4665,13 +4692,7 @@
               <a:rPr lang="en-US" sz="1000" dirty="0" smtClean="0">
                 <a:cs typeface="Times New Roman" panose="02020603050405020304" pitchFamily="18" charset="0"/>
               </a:rPr>
-              <a:t>(Technology: Java </a:t>
-            </a:r>
-            <a:r>
-              <a:rPr lang="en-US" sz="1000" dirty="0" smtClean="0">
-                <a:cs typeface="Times New Roman" panose="02020603050405020304" pitchFamily="18" charset="0"/>
-              </a:rPr>
-              <a:t>web,  Spring, JPA, Ajax,  JavaScript)</a:t>
+              <a:t>(Technology: Java web,  Spring, JPA, Ajax,  JavaScript)</a:t>
             </a:r>
           </a:p>
           <a:p>
@@ -4711,13 +4732,7 @@
               <a:rPr lang="en-US" sz="1000" dirty="0" smtClean="0">
                 <a:cs typeface="Times New Roman" panose="02020603050405020304" pitchFamily="18" charset="0"/>
               </a:rPr>
-              <a:t>(</a:t>
-            </a:r>
-            <a:r>
-              <a:rPr lang="en-US" sz="1000" dirty="0" smtClean="0">
-                <a:cs typeface="Times New Roman" panose="02020603050405020304" pitchFamily="18" charset="0"/>
-              </a:rPr>
-              <a:t>Technology: </a:t>
+              <a:t>(Technology: </a:t>
             </a:r>
             <a:r>
               <a:rPr lang="en-US" sz="900" dirty="0" smtClean="0">
@@ -4772,13 +4787,7 @@
               <a:rPr lang="en-US" sz="1000" dirty="0" smtClean="0">
                 <a:cs typeface="Times New Roman" panose="02020603050405020304" pitchFamily="18" charset="0"/>
               </a:rPr>
-              <a:t>(</a:t>
-            </a:r>
-            <a:r>
-              <a:rPr lang="en-US" sz="1000" dirty="0" smtClean="0">
-                <a:cs typeface="Times New Roman" panose="02020603050405020304" pitchFamily="18" charset="0"/>
-              </a:rPr>
-              <a:t>Technology: </a:t>
+              <a:t>(Technology: </a:t>
             </a:r>
             <a:r>
               <a:rPr lang="en-US" sz="900" dirty="0" err="1" smtClean="0">
@@ -4845,13 +4854,7 @@
               <a:rPr lang="en-US" sz="1000" dirty="0" smtClean="0">
                 <a:cs typeface="Times New Roman" panose="02020603050405020304" pitchFamily="18" charset="0"/>
               </a:rPr>
-              <a:t>(</a:t>
-            </a:r>
-            <a:r>
-              <a:rPr lang="en-US" sz="1000" dirty="0" smtClean="0">
-                <a:cs typeface="Times New Roman" panose="02020603050405020304" pitchFamily="18" charset="0"/>
-              </a:rPr>
-              <a:t>Technology: </a:t>
+              <a:t>(Technology: </a:t>
             </a:r>
             <a:r>
               <a:rPr lang="en-US" sz="900" dirty="0" smtClean="0">
@@ -4924,13 +4927,7 @@
               <a:rPr lang="en-US" sz="1000" dirty="0" smtClean="0">
                 <a:cs typeface="Times New Roman" panose="02020603050405020304" pitchFamily="18" charset="0"/>
               </a:rPr>
-              <a:t>(</a:t>
-            </a:r>
-            <a:r>
-              <a:rPr lang="en-US" sz="1000" dirty="0" smtClean="0">
-                <a:cs typeface="Times New Roman" panose="02020603050405020304" pitchFamily="18" charset="0"/>
-              </a:rPr>
-              <a:t>Technology: </a:t>
+              <a:t>(Technology: </a:t>
             </a:r>
             <a:r>
               <a:rPr lang="en-US" sz="900" dirty="0" smtClean="0">

--- a/my CV/main cv/asad_cv.pptx
+++ b/my CV/main cv/asad_cv.pptx
@@ -197,7 +197,7 @@
           <a:p>
             <a:fld id="{3D6A826E-06BF-4247-8C5F-4B5EFF078D52}" type="datetimeFigureOut">
               <a:rPr lang="en-US" smtClean="0"/>
-              <a:t>17-Jun-19</a:t>
+              <a:t>22-Jul-19</a:t>
             </a:fld>
             <a:endParaRPr lang="en-US" dirty="0"/>
           </a:p>
@@ -686,7 +686,7 @@
           <a:p>
             <a:fld id="{970B34A7-3EF8-4DB9-B928-BFC7C5108EB8}" type="datetimeFigureOut">
               <a:rPr lang="en-US" smtClean="0"/>
-              <a:t>17-Jun-19</a:t>
+              <a:t>22-Jul-19</a:t>
             </a:fld>
             <a:endParaRPr lang="en-US" dirty="0"/>
           </a:p>
@@ -856,7 +856,7 @@
           <a:p>
             <a:fld id="{970B34A7-3EF8-4DB9-B928-BFC7C5108EB8}" type="datetimeFigureOut">
               <a:rPr lang="en-US" smtClean="0"/>
-              <a:t>17-Jun-19</a:t>
+              <a:t>22-Jul-19</a:t>
             </a:fld>
             <a:endParaRPr lang="en-US" dirty="0"/>
           </a:p>
@@ -1036,7 +1036,7 @@
           <a:p>
             <a:fld id="{970B34A7-3EF8-4DB9-B928-BFC7C5108EB8}" type="datetimeFigureOut">
               <a:rPr lang="en-US" smtClean="0"/>
-              <a:t>17-Jun-19</a:t>
+              <a:t>22-Jul-19</a:t>
             </a:fld>
             <a:endParaRPr lang="en-US" dirty="0"/>
           </a:p>
@@ -1206,7 +1206,7 @@
           <a:p>
             <a:fld id="{970B34A7-3EF8-4DB9-B928-BFC7C5108EB8}" type="datetimeFigureOut">
               <a:rPr lang="en-US" smtClean="0"/>
-              <a:t>17-Jun-19</a:t>
+              <a:t>22-Jul-19</a:t>
             </a:fld>
             <a:endParaRPr lang="en-US" dirty="0"/>
           </a:p>
@@ -1452,7 +1452,7 @@
           <a:p>
             <a:fld id="{970B34A7-3EF8-4DB9-B928-BFC7C5108EB8}" type="datetimeFigureOut">
               <a:rPr lang="en-US" smtClean="0"/>
-              <a:t>17-Jun-19</a:t>
+              <a:t>22-Jul-19</a:t>
             </a:fld>
             <a:endParaRPr lang="en-US" dirty="0"/>
           </a:p>
@@ -1684,7 +1684,7 @@
           <a:p>
             <a:fld id="{970B34A7-3EF8-4DB9-B928-BFC7C5108EB8}" type="datetimeFigureOut">
               <a:rPr lang="en-US" smtClean="0"/>
-              <a:t>17-Jun-19</a:t>
+              <a:t>22-Jul-19</a:t>
             </a:fld>
             <a:endParaRPr lang="en-US" dirty="0"/>
           </a:p>
@@ -2051,7 +2051,7 @@
           <a:p>
             <a:fld id="{970B34A7-3EF8-4DB9-B928-BFC7C5108EB8}" type="datetimeFigureOut">
               <a:rPr lang="en-US" smtClean="0"/>
-              <a:t>17-Jun-19</a:t>
+              <a:t>22-Jul-19</a:t>
             </a:fld>
             <a:endParaRPr lang="en-US" dirty="0"/>
           </a:p>
@@ -2169,7 +2169,7 @@
           <a:p>
             <a:fld id="{970B34A7-3EF8-4DB9-B928-BFC7C5108EB8}" type="datetimeFigureOut">
               <a:rPr lang="en-US" smtClean="0"/>
-              <a:t>17-Jun-19</a:t>
+              <a:t>22-Jul-19</a:t>
             </a:fld>
             <a:endParaRPr lang="en-US" dirty="0"/>
           </a:p>
@@ -2264,7 +2264,7 @@
           <a:p>
             <a:fld id="{970B34A7-3EF8-4DB9-B928-BFC7C5108EB8}" type="datetimeFigureOut">
               <a:rPr lang="en-US" smtClean="0"/>
-              <a:t>17-Jun-19</a:t>
+              <a:t>22-Jul-19</a:t>
             </a:fld>
             <a:endParaRPr lang="en-US" dirty="0"/>
           </a:p>
@@ -2541,7 +2541,7 @@
           <a:p>
             <a:fld id="{970B34A7-3EF8-4DB9-B928-BFC7C5108EB8}" type="datetimeFigureOut">
               <a:rPr lang="en-US" smtClean="0"/>
-              <a:t>17-Jun-19</a:t>
+              <a:t>22-Jul-19</a:t>
             </a:fld>
             <a:endParaRPr lang="en-US" dirty="0"/>
           </a:p>
@@ -2794,7 +2794,7 @@
           <a:p>
             <a:fld id="{970B34A7-3EF8-4DB9-B928-BFC7C5108EB8}" type="datetimeFigureOut">
               <a:rPr lang="en-US" smtClean="0"/>
-              <a:t>17-Jun-19</a:t>
+              <a:t>22-Jul-19</a:t>
             </a:fld>
             <a:endParaRPr lang="en-US" dirty="0"/>
           </a:p>
@@ -3007,7 +3007,7 @@
           <a:p>
             <a:fld id="{970B34A7-3EF8-4DB9-B928-BFC7C5108EB8}" type="datetimeFigureOut">
               <a:rPr lang="en-US" smtClean="0"/>
-              <a:t>17-Jun-19</a:t>
+              <a:t>22-Jul-19</a:t>
             </a:fld>
             <a:endParaRPr lang="en-US" dirty="0"/>
           </a:p>
@@ -3769,25 +3769,13 @@
               <a:rPr lang="en-US" sz="1000" b="1" dirty="0" smtClean="0">
                 <a:cs typeface="Times New Roman" panose="02020603050405020304" pitchFamily="18" charset="0"/>
               </a:rPr>
-              <a:t>Science, 2011 (</a:t>
-            </a:r>
-            <a:r>
-              <a:rPr lang="en-US" sz="1000" b="1" dirty="0" smtClean="0">
-                <a:cs typeface="Times New Roman" panose="02020603050405020304" pitchFamily="18" charset="0"/>
-              </a:rPr>
-              <a:t>5.00/5.00, </a:t>
-            </a:r>
-            <a:r>
-              <a:rPr lang="en-US" sz="1000" b="1" dirty="0" err="1" smtClean="0">
-                <a:cs typeface="Times New Roman" panose="02020603050405020304" pitchFamily="18" charset="0"/>
-              </a:rPr>
-              <a:t>Reg</a:t>
-            </a:r>
-            <a:r>
-              <a:rPr lang="en-US" sz="1000" b="1" dirty="0" smtClean="0">
-                <a:cs typeface="Times New Roman" panose="02020603050405020304" pitchFamily="18" charset="0"/>
-              </a:rPr>
-              <a:t> No: 443252)</a:t>
+              <a:t>Science, 2011 </a:t>
+            </a:r>
+            <a:r>
+              <a:rPr lang="en-US" sz="1000" b="1" smtClean="0">
+                <a:cs typeface="Times New Roman" panose="02020603050405020304" pitchFamily="18" charset="0"/>
+              </a:rPr>
+              <a:t>(5.00/5.00)</a:t>
             </a:r>
             <a:endParaRPr lang="en-US" sz="1000" b="1" dirty="0" smtClean="0">
               <a:cs typeface="Times New Roman" panose="02020603050405020304" pitchFamily="18" charset="0"/>
@@ -4194,7 +4182,31 @@
               <a:rPr lang="en-US" sz="1000" b="1" dirty="0" smtClean="0">
                 <a:cs typeface="Times New Roman" panose="02020603050405020304" pitchFamily="18" charset="0"/>
               </a:rPr>
-              <a:t>: OOP- (Solid Principle), MySQL/SQL DB configuration, VCS- (</a:t>
+              <a:t>: OOP- </a:t>
+            </a:r>
+            <a:r>
+              <a:rPr lang="en-US" sz="1000" b="1" smtClean="0">
+                <a:cs typeface="Times New Roman" panose="02020603050405020304" pitchFamily="18" charset="0"/>
+              </a:rPr>
+              <a:t>(</a:t>
+            </a:r>
+            <a:r>
+              <a:rPr lang="en-US" sz="1000" b="1" smtClean="0">
+                <a:cs typeface="Times New Roman" panose="02020603050405020304" pitchFamily="18" charset="0"/>
+              </a:rPr>
+              <a:t>J2EE, Spring Boot</a:t>
+            </a:r>
+            <a:r>
+              <a:rPr lang="en-US" sz="1000" b="1" dirty="0" smtClean="0">
+                <a:cs typeface="Times New Roman" panose="02020603050405020304" pitchFamily="18" charset="0"/>
+              </a:rPr>
+              <a:t>), </a:t>
+            </a:r>
+            <a:r>
+              <a:rPr lang="en-US" sz="1000" b="1" dirty="0" smtClean="0">
+                <a:cs typeface="Times New Roman" panose="02020603050405020304" pitchFamily="18" charset="0"/>
+              </a:rPr>
+              <a:t>MySQL/SQL DB configuration, VCS- (</a:t>
             </a:r>
             <a:r>
               <a:rPr lang="en-US" sz="1000" b="1" dirty="0" err="1">
@@ -4212,19 +4224,7 @@
               <a:rPr lang="en-US" sz="1000" b="1" dirty="0" smtClean="0">
                 <a:cs typeface="Times New Roman" panose="02020603050405020304" pitchFamily="18" charset="0"/>
               </a:rPr>
-              <a:t>), Security, Design pattern -(Factory method), Project management: (JIRA , Agile) and Testing methodologies, OS: (Linux</a:t>
-            </a:r>
-            <a:r>
-              <a:rPr lang="en-US" sz="1000" b="1" smtClean="0">
-                <a:cs typeface="Times New Roman" panose="02020603050405020304" pitchFamily="18" charset="0"/>
-              </a:rPr>
-              <a:t>, Windows</a:t>
-            </a:r>
-            <a:r>
-              <a:rPr lang="en-US" sz="1000" b="1" dirty="0" smtClean="0">
-                <a:cs typeface="Times New Roman" panose="02020603050405020304" pitchFamily="18" charset="0"/>
-              </a:rPr>
-              <a:t>). </a:t>
+              <a:t>), Security, Design pattern -(Factory method), Project management: (JIRA , Agile) and Testing methodologies, OS: (Linux, Windows). </a:t>
             </a:r>
           </a:p>
         </p:txBody>
@@ -4586,7 +4586,7 @@
               <a:rPr lang="en-US" sz="1000" b="1" dirty="0" smtClean="0">
                 <a:cs typeface="Times New Roman" panose="02020603050405020304" pitchFamily="18" charset="0"/>
               </a:rPr>
-              <a:t>IOT based Smart office.</a:t>
+              <a:t>Smart Office Management.</a:t>
             </a:r>
             <a:r>
               <a:rPr lang="en-US" sz="1000" dirty="0" smtClean="0">
